--- a/ITI/TF/Volume1/media/Figure_9.4.2.2-1.pptx
+++ b/ITI/TF/Volume1/media/Figure_9.4.2.2-1.pptx
@@ -104,6 +104,11 @@
       </a:defRPr>
     </a:lvl9pPr>
   </p:defaultTextStyle>
+  <p:extLst>
+    <p:ext uri="{EFAFB233-063F-42B5-8137-9DF3F51BA10A}">
+      <p15:sldGuideLst xmlns:p15="http://schemas.microsoft.com/office/powerpoint/2012/main"/>
+    </p:ext>
+  </p:extLst>
 </p:presentation>
 </file>
 
@@ -254,7 +259,7 @@
           <a:p>
             <a:fld id="{E2AE4945-874E-D549-B24F-0C7E129F3568}" type="datetimeFigureOut">
               <a:rPr lang="en-US" smtClean="0"/>
-              <a:t>8/10/20</a:t>
+              <a:t>8/26/20</a:t>
             </a:fld>
             <a:endParaRPr lang="en-US"/>
           </a:p>
@@ -452,7 +457,7 @@
           <a:p>
             <a:fld id="{E2AE4945-874E-D549-B24F-0C7E129F3568}" type="datetimeFigureOut">
               <a:rPr lang="en-US" smtClean="0"/>
-              <a:t>8/10/20</a:t>
+              <a:t>8/26/20</a:t>
             </a:fld>
             <a:endParaRPr lang="en-US"/>
           </a:p>
@@ -660,7 +665,7 @@
           <a:p>
             <a:fld id="{E2AE4945-874E-D549-B24F-0C7E129F3568}" type="datetimeFigureOut">
               <a:rPr lang="en-US" smtClean="0"/>
-              <a:t>8/10/20</a:t>
+              <a:t>8/26/20</a:t>
             </a:fld>
             <a:endParaRPr lang="en-US"/>
           </a:p>
@@ -858,7 +863,7 @@
           <a:p>
             <a:fld id="{E2AE4945-874E-D549-B24F-0C7E129F3568}" type="datetimeFigureOut">
               <a:rPr lang="en-US" smtClean="0"/>
-              <a:t>8/10/20</a:t>
+              <a:t>8/26/20</a:t>
             </a:fld>
             <a:endParaRPr lang="en-US"/>
           </a:p>
@@ -1133,7 +1138,7 @@
           <a:p>
             <a:fld id="{E2AE4945-874E-D549-B24F-0C7E129F3568}" type="datetimeFigureOut">
               <a:rPr lang="en-US" smtClean="0"/>
-              <a:t>8/10/20</a:t>
+              <a:t>8/26/20</a:t>
             </a:fld>
             <a:endParaRPr lang="en-US"/>
           </a:p>
@@ -1398,7 +1403,7 @@
           <a:p>
             <a:fld id="{E2AE4945-874E-D549-B24F-0C7E129F3568}" type="datetimeFigureOut">
               <a:rPr lang="en-US" smtClean="0"/>
-              <a:t>8/10/20</a:t>
+              <a:t>8/26/20</a:t>
             </a:fld>
             <a:endParaRPr lang="en-US"/>
           </a:p>
@@ -1810,7 +1815,7 @@
           <a:p>
             <a:fld id="{E2AE4945-874E-D549-B24F-0C7E129F3568}" type="datetimeFigureOut">
               <a:rPr lang="en-US" smtClean="0"/>
-              <a:t>8/10/20</a:t>
+              <a:t>8/26/20</a:t>
             </a:fld>
             <a:endParaRPr lang="en-US"/>
           </a:p>
@@ -1951,7 +1956,7 @@
           <a:p>
             <a:fld id="{E2AE4945-874E-D549-B24F-0C7E129F3568}" type="datetimeFigureOut">
               <a:rPr lang="en-US" smtClean="0"/>
-              <a:t>8/10/20</a:t>
+              <a:t>8/26/20</a:t>
             </a:fld>
             <a:endParaRPr lang="en-US"/>
           </a:p>
@@ -2064,7 +2069,7 @@
           <a:p>
             <a:fld id="{E2AE4945-874E-D549-B24F-0C7E129F3568}" type="datetimeFigureOut">
               <a:rPr lang="en-US" smtClean="0"/>
-              <a:t>8/10/20</a:t>
+              <a:t>8/26/20</a:t>
             </a:fld>
             <a:endParaRPr lang="en-US"/>
           </a:p>
@@ -2375,7 +2380,7 @@
           <a:p>
             <a:fld id="{E2AE4945-874E-D549-B24F-0C7E129F3568}" type="datetimeFigureOut">
               <a:rPr lang="en-US" smtClean="0"/>
-              <a:t>8/10/20</a:t>
+              <a:t>8/26/20</a:t>
             </a:fld>
             <a:endParaRPr lang="en-US"/>
           </a:p>
@@ -2663,7 +2668,7 @@
           <a:p>
             <a:fld id="{E2AE4945-874E-D549-B24F-0C7E129F3568}" type="datetimeFigureOut">
               <a:rPr lang="en-US" smtClean="0"/>
-              <a:t>8/10/20</a:t>
+              <a:t>8/26/20</a:t>
             </a:fld>
             <a:endParaRPr lang="en-US"/>
           </a:p>
@@ -2904,7 +2909,7 @@
           <a:p>
             <a:fld id="{E2AE4945-874E-D549-B24F-0C7E129F3568}" type="datetimeFigureOut">
               <a:rPr lang="en-US" smtClean="0"/>
-              <a:t>8/10/20</a:t>
+              <a:t>8/26/20</a:t>
             </a:fld>
             <a:endParaRPr lang="en-US"/>
           </a:p>
@@ -3337,7 +3342,7 @@
         </p:nvSpPr>
         <p:spPr bwMode="auto">
           <a:xfrm>
-            <a:off x="1284288" y="2286000"/>
+            <a:off x="1048902" y="2276947"/>
             <a:ext cx="1009650" cy="371475"/>
           </a:xfrm>
           <a:prstGeom prst="rect">
@@ -3370,7 +3375,7 @@
           </a:bodyPr>
           <a:lstStyle/>
           <a:p>
-            <a:pPr marL="0" marR="0" lvl="0" indent="0" algn="l" defTabSz="914400" rtl="0" eaLnBrk="0" fontAlgn="base" latinLnBrk="0" hangingPunct="0">
+            <a:pPr marL="0" marR="0" lvl="0" indent="0" algn="r" defTabSz="914400" rtl="0" eaLnBrk="0" fontAlgn="base" latinLnBrk="0" hangingPunct="0">
               <a:lnSpc>
                 <a:spcPct val="100000"/>
               </a:lnSpc>
@@ -3387,7 +3392,7 @@
               <a:tabLst/>
             </a:pPr>
             <a:r>
-              <a:rPr kumimoji="0" lang="en-US" altLang="en-US" sz="1000" b="0" i="1" u="none" strike="noStrike" cap="none" normalizeH="0" baseline="0">
+              <a:rPr kumimoji="0" lang="en-US" altLang="en-US" sz="1000" b="0" i="1" u="none" strike="noStrike" cap="none" normalizeH="0" baseline="0" dirty="0">
                 <a:ln>
                   <a:noFill/>
                 </a:ln>
@@ -3395,12 +3400,13 @@
                   <a:schemeClr val="tx1"/>
                 </a:solidFill>
                 <a:effectLst/>
-                <a:latin typeface="Arial" panose="020B0604020202020204" pitchFamily="34" charset="0"/>
+                <a:latin typeface="Times New Roman" panose="02020603050405020304" pitchFamily="18" charset="0"/>
                 <a:ea typeface="Times New Roman" panose="02020603050405020304" pitchFamily="18" charset="0"/>
+                <a:cs typeface="Times New Roman" panose="02020603050405020304" pitchFamily="18" charset="0"/>
               </a:rPr>
               <a:t>Authentication failure</a:t>
             </a:r>
-            <a:endParaRPr kumimoji="0" lang="en-US" altLang="en-US" sz="1800" b="0" i="0" u="none" strike="noStrike" cap="none" normalizeH="0" baseline="0">
+            <a:endParaRPr kumimoji="0" lang="en-US" altLang="en-US" sz="1800" b="0" i="0" u="none" strike="noStrike" cap="none" normalizeH="0" baseline="0" dirty="0">
               <a:ln>
                 <a:noFill/>
               </a:ln>
@@ -3408,7 +3414,8 @@
                 <a:schemeClr val="tx1"/>
               </a:solidFill>
               <a:effectLst/>
-              <a:latin typeface="Arial" panose="020B0604020202020204" pitchFamily="34" charset="0"/>
+              <a:latin typeface="Times New Roman" panose="02020603050405020304" pitchFamily="18" charset="0"/>
+              <a:cs typeface="Times New Roman" panose="02020603050405020304" pitchFamily="18" charset="0"/>
             </a:endParaRPr>
           </a:p>
         </p:txBody>
@@ -3462,7 +3469,7 @@
           </a:bodyPr>
           <a:lstStyle/>
           <a:p>
-            <a:pPr marL="0" marR="0" lvl="0" indent="0" algn="l" defTabSz="914400" rtl="0" eaLnBrk="0" fontAlgn="base" latinLnBrk="0" hangingPunct="0">
+            <a:pPr marL="0" marR="0" lvl="0" indent="0" algn="r" defTabSz="914400" rtl="0" eaLnBrk="0" fontAlgn="base" latinLnBrk="0" hangingPunct="0">
               <a:lnSpc>
                 <a:spcPct val="100000"/>
               </a:lnSpc>
@@ -3479,7 +3486,7 @@
               <a:tabLst/>
             </a:pPr>
             <a:r>
-              <a:rPr kumimoji="0" lang="en-US" altLang="en-US" sz="1000" b="0" i="1" u="none" strike="noStrike" cap="none" normalizeH="0" baseline="0">
+              <a:rPr kumimoji="0" lang="en-US" altLang="en-US" sz="1000" b="0" i="1" u="none" strike="noStrike" cap="none" normalizeH="0" baseline="0" dirty="0">
                 <a:ln>
                   <a:noFill/>
                 </a:ln>
@@ -3487,12 +3494,13 @@
                   <a:schemeClr val="tx1"/>
                 </a:solidFill>
                 <a:effectLst/>
-                <a:latin typeface="Arial" panose="020B0604020202020204" pitchFamily="34" charset="0"/>
+                <a:latin typeface="Times New Roman" panose="02020603050405020304" pitchFamily="18" charset="0"/>
                 <a:ea typeface="Times New Roman" panose="02020603050405020304" pitchFamily="18" charset="0"/>
+                <a:cs typeface="Times New Roman" panose="02020603050405020304" pitchFamily="18" charset="0"/>
               </a:rPr>
               <a:t>Authentication failure</a:t>
             </a:r>
-            <a:endParaRPr kumimoji="0" lang="en-US" altLang="en-US" sz="1800" b="0" i="0" u="none" strike="noStrike" cap="none" normalizeH="0" baseline="0">
+            <a:endParaRPr kumimoji="0" lang="en-US" altLang="en-US" sz="1800" b="0" i="0" u="none" strike="noStrike" cap="none" normalizeH="0" baseline="0" dirty="0">
               <a:ln>
                 <a:noFill/>
               </a:ln>
@@ -3500,7 +3508,8 @@
                 <a:schemeClr val="tx1"/>
               </a:solidFill>
               <a:effectLst/>
-              <a:latin typeface="Arial" panose="020B0604020202020204" pitchFamily="34" charset="0"/>
+              <a:latin typeface="Times New Roman" panose="02020603050405020304" pitchFamily="18" charset="0"/>
+              <a:cs typeface="Times New Roman" panose="02020603050405020304" pitchFamily="18" charset="0"/>
             </a:endParaRPr>
           </a:p>
         </p:txBody>
@@ -4272,7 +4281,7 @@
               <a:tabLst/>
             </a:pPr>
             <a:r>
-              <a:rPr kumimoji="0" lang="en-US" altLang="en-US" sz="1000" b="0" i="0" u="none" strike="noStrike" cap="none" normalizeH="0" baseline="0">
+              <a:rPr kumimoji="0" lang="en-US" altLang="en-US" sz="1000" b="0" i="0" u="none" strike="noStrike" cap="none" normalizeH="0" baseline="0" dirty="0">
                 <a:ln>
                   <a:noFill/>
                 </a:ln>
@@ -4280,12 +4289,13 @@
                   <a:schemeClr val="tx1"/>
                 </a:solidFill>
                 <a:effectLst/>
-                <a:latin typeface="Arial" panose="020B0604020202020204" pitchFamily="34" charset="0"/>
+                <a:latin typeface="Times New Roman" panose="02020603050405020304" pitchFamily="18" charset="0"/>
                 <a:ea typeface="Times New Roman" panose="02020603050405020304" pitchFamily="18" charset="0"/>
+                <a:cs typeface="Times New Roman" panose="02020603050405020304" pitchFamily="18" charset="0"/>
               </a:rPr>
               <a:t>Query Images</a:t>
             </a:r>
-            <a:endParaRPr kumimoji="0" lang="en-US" altLang="en-US" sz="1800" b="0" i="0" u="none" strike="noStrike" cap="none" normalizeH="0" baseline="0">
+            <a:endParaRPr kumimoji="0" lang="en-US" altLang="en-US" sz="1800" b="0" i="0" u="none" strike="noStrike" cap="none" normalizeH="0" baseline="0" dirty="0">
               <a:ln>
                 <a:noFill/>
               </a:ln>
@@ -4293,7 +4303,8 @@
                 <a:schemeClr val="tx1"/>
               </a:solidFill>
               <a:effectLst/>
-              <a:latin typeface="Arial" panose="020B0604020202020204" pitchFamily="34" charset="0"/>
+              <a:latin typeface="Times New Roman" panose="02020603050405020304" pitchFamily="18" charset="0"/>
+              <a:cs typeface="Times New Roman" panose="02020603050405020304" pitchFamily="18" charset="0"/>
             </a:endParaRPr>
           </a:p>
         </p:txBody>
@@ -4365,8 +4376,8 @@
         </p:nvSpPr>
         <p:spPr bwMode="auto">
           <a:xfrm>
-            <a:off x="2443163" y="2620963"/>
-            <a:ext cx="1701800" cy="288925"/>
+            <a:off x="2524640" y="2584750"/>
+            <a:ext cx="1286949" cy="363227"/>
           </a:xfrm>
           <a:prstGeom prst="rect">
             <a:avLst/>
@@ -4415,7 +4426,7 @@
               <a:tabLst/>
             </a:pPr>
             <a:r>
-              <a:rPr kumimoji="0" lang="en-US" altLang="en-US" sz="1000" b="0" i="0" u="none" strike="noStrike" cap="none" normalizeH="0" baseline="0">
+              <a:rPr kumimoji="0" lang="en-US" altLang="en-US" sz="1000" b="0" i="0" u="none" strike="noStrike" cap="none" normalizeH="0" baseline="0" dirty="0">
                 <a:ln>
                   <a:noFill/>
                 </a:ln>
@@ -4423,21 +4434,12 @@
                   <a:schemeClr val="tx1"/>
                 </a:solidFill>
                 <a:effectLst/>
-                <a:latin typeface="Arial" panose="020B0604020202020204" pitchFamily="34" charset="0"/>
+                <a:latin typeface="Times New Roman" panose="02020603050405020304" pitchFamily="18" charset="0"/>
                 <a:ea typeface="Times New Roman" panose="02020603050405020304" pitchFamily="18" charset="0"/>
+                <a:cs typeface="Times New Roman" panose="02020603050405020304" pitchFamily="18" charset="0"/>
               </a:rPr>
-              <a:t>Record Audit Event [ITI-20]</a:t>
-            </a:r>
-            <a:endParaRPr kumimoji="0" lang="en-US" altLang="en-US" sz="1000" b="0" i="0" u="none" strike="noStrike" cap="none" normalizeH="0" baseline="0">
-              <a:ln>
-                <a:noFill/>
-              </a:ln>
-              <a:solidFill>
-                <a:schemeClr val="tx1"/>
-              </a:solidFill>
-              <a:effectLst/>
-              <a:latin typeface="Arial" panose="020B0604020202020204" pitchFamily="34" charset="0"/>
-            </a:endParaRPr>
+              <a:t>Record Audit Event </a:t>
+            </a:r>
           </a:p>
           <a:p>
             <a:pPr marL="0" marR="0" lvl="0" indent="0" algn="l" defTabSz="914400" rtl="0" eaLnBrk="0" fontAlgn="base" latinLnBrk="0" hangingPunct="0">
@@ -4457,7 +4459,7 @@
               <a:tabLst/>
             </a:pPr>
             <a:r>
-              <a:rPr kumimoji="0" lang="en-US" altLang="en-US" sz="1000" b="0" i="0" u="none" strike="noStrike" cap="none" normalizeH="0" baseline="0">
+              <a:rPr kumimoji="0" lang="en-US" altLang="en-US" sz="1000" b="0" i="0" u="none" strike="noStrike" cap="none" normalizeH="0" baseline="0" dirty="0">
                 <a:ln>
                   <a:noFill/>
                 </a:ln>
@@ -4465,12 +4467,13 @@
                   <a:schemeClr val="tx1"/>
                 </a:solidFill>
                 <a:effectLst/>
-                <a:latin typeface="Arial" panose="020B0604020202020204" pitchFamily="34" charset="0"/>
+                <a:latin typeface="Times New Roman" panose="02020603050405020304" pitchFamily="18" charset="0"/>
                 <a:ea typeface="Times New Roman" panose="02020603050405020304" pitchFamily="18" charset="0"/>
+                <a:cs typeface="Times New Roman" panose="02020603050405020304" pitchFamily="18" charset="0"/>
               </a:rPr>
-              <a:t>(Node Authentication Failure)</a:t>
-            </a:r>
-            <a:endParaRPr kumimoji="0" lang="en-US" altLang="en-US" sz="1800" b="0" i="0" u="none" strike="noStrike" cap="none" normalizeH="0" baseline="0">
+              <a:t>[ITI-20] (Node Authentication Failure)</a:t>
+            </a:r>
+            <a:endParaRPr kumimoji="0" lang="en-US" altLang="en-US" sz="1800" b="0" i="0" u="none" strike="noStrike" cap="none" normalizeH="0" baseline="0" dirty="0">
               <a:ln>
                 <a:noFill/>
               </a:ln>
@@ -4478,7 +4481,8 @@
                 <a:schemeClr val="tx1"/>
               </a:solidFill>
               <a:effectLst/>
-              <a:latin typeface="Arial" panose="020B0604020202020204" pitchFamily="34" charset="0"/>
+              <a:latin typeface="Times New Roman" panose="02020603050405020304" pitchFamily="18" charset="0"/>
+              <a:cs typeface="Times New Roman" panose="02020603050405020304" pitchFamily="18" charset="0"/>
             </a:endParaRPr>
           </a:p>
         </p:txBody>
@@ -4499,8 +4503,8 @@
         </p:nvSpPr>
         <p:spPr bwMode="auto">
           <a:xfrm>
-            <a:off x="2479675" y="2114550"/>
-            <a:ext cx="1701800" cy="288925"/>
+            <a:off x="2551112" y="2025866"/>
+            <a:ext cx="1190625" cy="360363"/>
           </a:xfrm>
           <a:prstGeom prst="rect">
             <a:avLst/>
@@ -4549,7 +4553,7 @@
               <a:tabLst/>
             </a:pPr>
             <a:r>
-              <a:rPr kumimoji="0" lang="en-US" altLang="en-US" sz="1000" b="0" i="0" u="none" strike="noStrike" cap="none" normalizeH="0" baseline="0">
+              <a:rPr kumimoji="0" lang="en-US" altLang="en-US" sz="1000" b="0" i="0" u="none" strike="noStrike" cap="none" normalizeH="0" baseline="0" dirty="0">
                 <a:ln>
                   <a:noFill/>
                 </a:ln>
@@ -4557,12 +4561,35 @@
                   <a:schemeClr val="tx1"/>
                 </a:solidFill>
                 <a:effectLst/>
-                <a:latin typeface="Arial" panose="020B0604020202020204" pitchFamily="34" charset="0"/>
+                <a:latin typeface="Times New Roman" panose="02020603050405020304" pitchFamily="18" charset="0"/>
                 <a:ea typeface="Times New Roman" panose="02020603050405020304" pitchFamily="18" charset="0"/>
+                <a:cs typeface="Times New Roman" panose="02020603050405020304" pitchFamily="18" charset="0"/>
               </a:rPr>
               <a:t>Record Audit Event [ITI-20]</a:t>
             </a:r>
-            <a:endParaRPr kumimoji="0" lang="en-US" altLang="en-US" sz="1000" b="0" i="0" u="none" strike="noStrike" cap="none" normalizeH="0" baseline="0">
+            <a:r>
+              <a:rPr lang="en-US" altLang="en-US" sz="1000" dirty="0">
+                <a:latin typeface="Times New Roman" panose="02020603050405020304" pitchFamily="18" charset="0"/>
+                <a:cs typeface="Times New Roman" panose="02020603050405020304" pitchFamily="18" charset="0"/>
+              </a:rPr>
+              <a:t> </a:t>
+            </a:r>
+            <a:r>
+              <a:rPr kumimoji="0" lang="en-US" altLang="en-US" sz="1000" b="0" i="0" u="none" strike="noStrike" cap="none" normalizeH="0" baseline="0" dirty="0">
+                <a:ln>
+                  <a:noFill/>
+                </a:ln>
+                <a:solidFill>
+                  <a:schemeClr val="tx1"/>
+                </a:solidFill>
+                <a:effectLst/>
+                <a:latin typeface="Times New Roman" panose="02020603050405020304" pitchFamily="18" charset="0"/>
+                <a:ea typeface="Times New Roman" panose="02020603050405020304" pitchFamily="18" charset="0"/>
+                <a:cs typeface="Times New Roman" panose="02020603050405020304" pitchFamily="18" charset="0"/>
+              </a:rPr>
+              <a:t>(Node Authentication Failure)</a:t>
+            </a:r>
+            <a:endParaRPr kumimoji="0" lang="en-US" altLang="en-US" sz="1800" b="0" i="0" u="none" strike="noStrike" cap="none" normalizeH="0" baseline="0" dirty="0">
               <a:ln>
                 <a:noFill/>
               </a:ln>
@@ -4570,49 +4597,8 @@
                 <a:schemeClr val="tx1"/>
               </a:solidFill>
               <a:effectLst/>
-              <a:latin typeface="Arial" panose="020B0604020202020204" pitchFamily="34" charset="0"/>
-            </a:endParaRPr>
-          </a:p>
-          <a:p>
-            <a:pPr marL="0" marR="0" lvl="0" indent="0" algn="l" defTabSz="914400" rtl="0" eaLnBrk="0" fontAlgn="base" latinLnBrk="0" hangingPunct="0">
-              <a:lnSpc>
-                <a:spcPct val="100000"/>
-              </a:lnSpc>
-              <a:spcBef>
-                <a:spcPct val="0"/>
-              </a:spcBef>
-              <a:spcAft>
-                <a:spcPct val="0"/>
-              </a:spcAft>
-              <a:buClrTx/>
-              <a:buSzTx/>
-              <a:buFontTx/>
-              <a:buNone/>
-              <a:tabLst/>
-            </a:pPr>
-            <a:r>
-              <a:rPr kumimoji="0" lang="en-US" altLang="en-US" sz="1000" b="0" i="0" u="none" strike="noStrike" cap="none" normalizeH="0" baseline="0">
-                <a:ln>
-                  <a:noFill/>
-                </a:ln>
-                <a:solidFill>
-                  <a:schemeClr val="tx1"/>
-                </a:solidFill>
-                <a:effectLst/>
-                <a:latin typeface="Arial" panose="020B0604020202020204" pitchFamily="34" charset="0"/>
-                <a:ea typeface="Times New Roman" panose="02020603050405020304" pitchFamily="18" charset="0"/>
-              </a:rPr>
-              <a:t>(Node Authentication Failure)</a:t>
-            </a:r>
-            <a:endParaRPr kumimoji="0" lang="en-US" altLang="en-US" sz="1800" b="0" i="0" u="none" strike="noStrike" cap="none" normalizeH="0" baseline="0">
-              <a:ln>
-                <a:noFill/>
-              </a:ln>
-              <a:solidFill>
-                <a:schemeClr val="tx1"/>
-              </a:solidFill>
-              <a:effectLst/>
-              <a:latin typeface="Arial" panose="020B0604020202020204" pitchFamily="34" charset="0"/>
+              <a:latin typeface="Times New Roman" panose="02020603050405020304" pitchFamily="18" charset="0"/>
+              <a:cs typeface="Times New Roman" panose="02020603050405020304" pitchFamily="18" charset="0"/>
             </a:endParaRPr>
           </a:p>
         </p:txBody>
@@ -4793,8 +4779,9 @@
                   <a:schemeClr val="tx1"/>
                 </a:solidFill>
                 <a:effectLst/>
-                <a:latin typeface="Arial" panose="020B0604020202020204" pitchFamily="34" charset="0"/>
+                <a:latin typeface="Times New Roman" panose="02020603050405020304" pitchFamily="18" charset="0"/>
                 <a:ea typeface="Times New Roman" panose="02020603050405020304" pitchFamily="18" charset="0"/>
+                <a:cs typeface="Times New Roman" panose="02020603050405020304" pitchFamily="18" charset="0"/>
               </a:rPr>
               <a:t>Authenticate</a:t>
             </a:r>
@@ -4806,7 +4793,8 @@
                 <a:schemeClr val="tx1"/>
               </a:solidFill>
               <a:effectLst/>
-              <a:latin typeface="Arial" panose="020B0604020202020204" pitchFamily="34" charset="0"/>
+              <a:latin typeface="Times New Roman" panose="02020603050405020304" pitchFamily="18" charset="0"/>
+              <a:cs typeface="Times New Roman" panose="02020603050405020304" pitchFamily="18" charset="0"/>
             </a:endParaRPr>
           </a:p>
           <a:p>
@@ -4835,8 +4823,9 @@
                   <a:schemeClr val="tx1"/>
                 </a:solidFill>
                 <a:effectLst/>
-                <a:latin typeface="Arial" panose="020B0604020202020204" pitchFamily="34" charset="0"/>
+                <a:latin typeface="Times New Roman" panose="02020603050405020304" pitchFamily="18" charset="0"/>
                 <a:ea typeface="Times New Roman" panose="02020603050405020304" pitchFamily="18" charset="0"/>
+                <a:cs typeface="Times New Roman" panose="02020603050405020304" pitchFamily="18" charset="0"/>
               </a:rPr>
               <a:t>Node [ITI-19]</a:t>
             </a:r>
@@ -4848,7 +4837,8 @@
                 <a:schemeClr val="tx1"/>
               </a:solidFill>
               <a:effectLst/>
-              <a:latin typeface="Arial" panose="020B0604020202020204" pitchFamily="34" charset="0"/>
+              <a:latin typeface="Times New Roman" panose="02020603050405020304" pitchFamily="18" charset="0"/>
+              <a:cs typeface="Times New Roman" panose="02020603050405020304" pitchFamily="18" charset="0"/>
             </a:endParaRPr>
           </a:p>
         </p:txBody>
@@ -5372,6 +5362,322 @@
           </a:p>
         </p:txBody>
       </p:sp>
+      <p:grpSp>
+        <p:nvGrpSpPr>
+          <p:cNvPr id="33" name="Group 32">
+            <a:extLst>
+              <a:ext uri="{FF2B5EF4-FFF2-40B4-BE49-F238E27FC236}">
+                <a16:creationId xmlns:a16="http://schemas.microsoft.com/office/drawing/2014/main" id="{351DF261-BAC1-1942-BC1D-D5C826E7B366}"/>
+              </a:ext>
+            </a:extLst>
+          </p:cNvPr>
+          <p:cNvGrpSpPr/>
+          <p:nvPr/>
+        </p:nvGrpSpPr>
+        <p:grpSpPr>
+          <a:xfrm flipH="1">
+            <a:off x="2019038" y="2390252"/>
+            <a:ext cx="194199" cy="185557"/>
+            <a:chOff x="3555709" y="3740033"/>
+            <a:chExt cx="324127" cy="242457"/>
+          </a:xfrm>
+        </p:grpSpPr>
+        <p:sp>
+          <p:nvSpPr>
+            <p:cNvPr id="34" name="Line 23">
+              <a:extLst>
+                <a:ext uri="{FF2B5EF4-FFF2-40B4-BE49-F238E27FC236}">
+                  <a16:creationId xmlns:a16="http://schemas.microsoft.com/office/drawing/2014/main" id="{8B48415F-923B-5845-BE17-6A303E3DE9B9}"/>
+                </a:ext>
+              </a:extLst>
+            </p:cNvPr>
+            <p:cNvSpPr>
+              <a:spLocks noChangeShapeType="1"/>
+            </p:cNvSpPr>
+            <p:nvPr/>
+          </p:nvSpPr>
+          <p:spPr bwMode="auto">
+            <a:xfrm flipH="1" flipV="1">
+              <a:off x="3573026" y="3982490"/>
+              <a:ext cx="296418" cy="0"/>
+            </a:xfrm>
+            <a:prstGeom prst="line">
+              <a:avLst/>
+            </a:prstGeom>
+            <a:noFill/>
+            <a:ln w="9525">
+              <a:solidFill>
+                <a:srgbClr val="000000"/>
+              </a:solidFill>
+              <a:round/>
+              <a:headEnd/>
+              <a:tailEnd type="triangle" w="med" len="med"/>
+            </a:ln>
+            <a:extLst>
+              <a:ext uri="{909E8E84-426E-40DD-AFC4-6F175D3DCCD1}">
+                <a14:hiddenFill xmlns:a14="http://schemas.microsoft.com/office/drawing/2010/main">
+                  <a:noFill/>
+                </a14:hiddenFill>
+              </a:ext>
+            </a:extLst>
+          </p:spPr>
+          <p:txBody>
+            <a:bodyPr vert="horz" wrap="square" lIns="91440" tIns="45720" rIns="91440" bIns="45720" numCol="1" anchor="t" anchorCtr="0" compatLnSpc="1">
+              <a:prstTxWarp prst="textNoShape">
+                <a:avLst/>
+              </a:prstTxWarp>
+            </a:bodyPr>
+            <a:lstStyle/>
+            <a:p>
+              <a:endParaRPr lang="en-US"/>
+            </a:p>
+          </p:txBody>
+        </p:sp>
+        <p:cxnSp>
+          <p:nvCxnSpPr>
+            <p:cNvPr id="35" name="Straight Connector 34">
+              <a:extLst>
+                <a:ext uri="{FF2B5EF4-FFF2-40B4-BE49-F238E27FC236}">
+                  <a16:creationId xmlns:a16="http://schemas.microsoft.com/office/drawing/2014/main" id="{21BA9804-E5F8-2441-B241-B594EC9E81B7}"/>
+                </a:ext>
+              </a:extLst>
+            </p:cNvPr>
+            <p:cNvCxnSpPr>
+              <a:cxnSpLocks/>
+            </p:cNvCxnSpPr>
+            <p:nvPr/>
+          </p:nvCxnSpPr>
+          <p:spPr>
+            <a:xfrm flipV="1">
+              <a:off x="3879835" y="3740033"/>
+              <a:ext cx="0" cy="242457"/>
+            </a:xfrm>
+            <a:prstGeom prst="line">
+              <a:avLst/>
+            </a:prstGeom>
+            <a:ln w="12700">
+              <a:solidFill>
+                <a:schemeClr val="tx1"/>
+              </a:solidFill>
+            </a:ln>
+          </p:spPr>
+          <p:style>
+            <a:lnRef idx="1">
+              <a:schemeClr val="accent1"/>
+            </a:lnRef>
+            <a:fillRef idx="0">
+              <a:schemeClr val="accent1"/>
+            </a:fillRef>
+            <a:effectRef idx="0">
+              <a:schemeClr val="accent1"/>
+            </a:effectRef>
+            <a:fontRef idx="minor">
+              <a:schemeClr val="tx1"/>
+            </a:fontRef>
+          </p:style>
+        </p:cxnSp>
+        <p:cxnSp>
+          <p:nvCxnSpPr>
+            <p:cNvPr id="36" name="Straight Connector 35">
+              <a:extLst>
+                <a:ext uri="{FF2B5EF4-FFF2-40B4-BE49-F238E27FC236}">
+                  <a16:creationId xmlns:a16="http://schemas.microsoft.com/office/drawing/2014/main" id="{D76DC32D-4896-5245-A75A-BB4839692E04}"/>
+                </a:ext>
+              </a:extLst>
+            </p:cNvPr>
+            <p:cNvCxnSpPr>
+              <a:cxnSpLocks/>
+            </p:cNvCxnSpPr>
+            <p:nvPr/>
+          </p:nvCxnSpPr>
+          <p:spPr>
+            <a:xfrm flipH="1" flipV="1">
+              <a:off x="3555709" y="3740034"/>
+              <a:ext cx="324127" cy="0"/>
+            </a:xfrm>
+            <a:prstGeom prst="line">
+              <a:avLst/>
+            </a:prstGeom>
+            <a:ln w="12700">
+              <a:solidFill>
+                <a:schemeClr val="tx1"/>
+              </a:solidFill>
+            </a:ln>
+          </p:spPr>
+          <p:style>
+            <a:lnRef idx="1">
+              <a:schemeClr val="accent1"/>
+            </a:lnRef>
+            <a:fillRef idx="0">
+              <a:schemeClr val="accent1"/>
+            </a:fillRef>
+            <a:effectRef idx="0">
+              <a:schemeClr val="accent1"/>
+            </a:effectRef>
+            <a:fontRef idx="minor">
+              <a:schemeClr val="tx1"/>
+            </a:fontRef>
+          </p:style>
+        </p:cxnSp>
+      </p:grpSp>
+      <p:grpSp>
+        <p:nvGrpSpPr>
+          <p:cNvPr id="37" name="Group 36">
+            <a:extLst>
+              <a:ext uri="{FF2B5EF4-FFF2-40B4-BE49-F238E27FC236}">
+                <a16:creationId xmlns:a16="http://schemas.microsoft.com/office/drawing/2014/main" id="{990603D9-F36C-A74A-A5D4-13BF6344151A}"/>
+              </a:ext>
+            </a:extLst>
+          </p:cNvPr>
+          <p:cNvGrpSpPr/>
+          <p:nvPr/>
+        </p:nvGrpSpPr>
+        <p:grpSpPr>
+          <a:xfrm flipH="1">
+            <a:off x="2035638" y="3031538"/>
+            <a:ext cx="194199" cy="185557"/>
+            <a:chOff x="3555709" y="3740033"/>
+            <a:chExt cx="324127" cy="242457"/>
+          </a:xfrm>
+        </p:grpSpPr>
+        <p:sp>
+          <p:nvSpPr>
+            <p:cNvPr id="38" name="Line 23">
+              <a:extLst>
+                <a:ext uri="{FF2B5EF4-FFF2-40B4-BE49-F238E27FC236}">
+                  <a16:creationId xmlns:a16="http://schemas.microsoft.com/office/drawing/2014/main" id="{9A3928B9-4C7E-1449-8C7E-C0611B1799B5}"/>
+                </a:ext>
+              </a:extLst>
+            </p:cNvPr>
+            <p:cNvSpPr>
+              <a:spLocks noChangeShapeType="1"/>
+            </p:cNvSpPr>
+            <p:nvPr/>
+          </p:nvSpPr>
+          <p:spPr bwMode="auto">
+            <a:xfrm flipH="1" flipV="1">
+              <a:off x="3573026" y="3982490"/>
+              <a:ext cx="296418" cy="0"/>
+            </a:xfrm>
+            <a:prstGeom prst="line">
+              <a:avLst/>
+            </a:prstGeom>
+            <a:noFill/>
+            <a:ln w="9525">
+              <a:solidFill>
+                <a:srgbClr val="000000"/>
+              </a:solidFill>
+              <a:round/>
+              <a:headEnd/>
+              <a:tailEnd type="triangle" w="med" len="med"/>
+            </a:ln>
+            <a:extLst>
+              <a:ext uri="{909E8E84-426E-40DD-AFC4-6F175D3DCCD1}">
+                <a14:hiddenFill xmlns:a14="http://schemas.microsoft.com/office/drawing/2010/main">
+                  <a:noFill/>
+                </a14:hiddenFill>
+              </a:ext>
+            </a:extLst>
+          </p:spPr>
+          <p:txBody>
+            <a:bodyPr vert="horz" wrap="square" lIns="91440" tIns="45720" rIns="91440" bIns="45720" numCol="1" anchor="t" anchorCtr="0" compatLnSpc="1">
+              <a:prstTxWarp prst="textNoShape">
+                <a:avLst/>
+              </a:prstTxWarp>
+            </a:bodyPr>
+            <a:lstStyle/>
+            <a:p>
+              <a:endParaRPr lang="en-US"/>
+            </a:p>
+          </p:txBody>
+        </p:sp>
+        <p:cxnSp>
+          <p:nvCxnSpPr>
+            <p:cNvPr id="39" name="Straight Connector 38">
+              <a:extLst>
+                <a:ext uri="{FF2B5EF4-FFF2-40B4-BE49-F238E27FC236}">
+                  <a16:creationId xmlns:a16="http://schemas.microsoft.com/office/drawing/2014/main" id="{51DC8762-3084-A347-BE13-BAADED84D3E7}"/>
+                </a:ext>
+              </a:extLst>
+            </p:cNvPr>
+            <p:cNvCxnSpPr>
+              <a:cxnSpLocks/>
+            </p:cNvCxnSpPr>
+            <p:nvPr/>
+          </p:nvCxnSpPr>
+          <p:spPr>
+            <a:xfrm flipV="1">
+              <a:off x="3879835" y="3740033"/>
+              <a:ext cx="0" cy="242457"/>
+            </a:xfrm>
+            <a:prstGeom prst="line">
+              <a:avLst/>
+            </a:prstGeom>
+            <a:ln w="12700">
+              <a:solidFill>
+                <a:schemeClr val="tx1"/>
+              </a:solidFill>
+            </a:ln>
+          </p:spPr>
+          <p:style>
+            <a:lnRef idx="1">
+              <a:schemeClr val="accent1"/>
+            </a:lnRef>
+            <a:fillRef idx="0">
+              <a:schemeClr val="accent1"/>
+            </a:fillRef>
+            <a:effectRef idx="0">
+              <a:schemeClr val="accent1"/>
+            </a:effectRef>
+            <a:fontRef idx="minor">
+              <a:schemeClr val="tx1"/>
+            </a:fontRef>
+          </p:style>
+        </p:cxnSp>
+        <p:cxnSp>
+          <p:nvCxnSpPr>
+            <p:cNvPr id="40" name="Straight Connector 39">
+              <a:extLst>
+                <a:ext uri="{FF2B5EF4-FFF2-40B4-BE49-F238E27FC236}">
+                  <a16:creationId xmlns:a16="http://schemas.microsoft.com/office/drawing/2014/main" id="{90829236-5C6F-E248-BCEF-72D7C0E6B10F}"/>
+                </a:ext>
+              </a:extLst>
+            </p:cNvPr>
+            <p:cNvCxnSpPr>
+              <a:cxnSpLocks/>
+            </p:cNvCxnSpPr>
+            <p:nvPr/>
+          </p:nvCxnSpPr>
+          <p:spPr>
+            <a:xfrm flipH="1" flipV="1">
+              <a:off x="3555709" y="3740034"/>
+              <a:ext cx="324127" cy="0"/>
+            </a:xfrm>
+            <a:prstGeom prst="line">
+              <a:avLst/>
+            </a:prstGeom>
+            <a:ln w="12700">
+              <a:solidFill>
+                <a:schemeClr val="tx1"/>
+              </a:solidFill>
+            </a:ln>
+          </p:spPr>
+          <p:style>
+            <a:lnRef idx="1">
+              <a:schemeClr val="accent1"/>
+            </a:lnRef>
+            <a:fillRef idx="0">
+              <a:schemeClr val="accent1"/>
+            </a:fillRef>
+            <a:effectRef idx="0">
+              <a:schemeClr val="accent1"/>
+            </a:effectRef>
+            <a:fontRef idx="minor">
+              <a:schemeClr val="tx1"/>
+            </a:fontRef>
+          </p:style>
+        </p:cxnSp>
+      </p:grpSp>
     </p:spTree>
     <p:extLst>
       <p:ext uri="{BB962C8B-B14F-4D97-AF65-F5344CB8AC3E}">
